--- a/Diabetes_Presentation.pptx
+++ b/Diabetes_Presentation.pptx
@@ -7626,7 +7626,7 @@
         </p:blipFill>
         <p:spPr>
           <a:xfrm>
-            <a:off x="5540216" y="1350573"/>
+            <a:off x="5613053" y="1680930"/>
             <a:ext cx="2850778" cy="2007181"/>
           </a:xfrm>
           <a:prstGeom prst="rect">
@@ -7652,8 +7652,8 @@
         </p:nvSpPr>
         <p:spPr>
           <a:xfrm>
-            <a:off x="245310" y="3690602"/>
-            <a:ext cx="5116806" cy="1385254"/>
+            <a:off x="245310" y="3542066"/>
+            <a:ext cx="5116806" cy="1314018"/>
           </a:xfrm>
           <a:prstGeom prst="rect">
             <a:avLst/>
@@ -7670,225 +7670,273 @@
               <a:buChar char="•"/>
             </a:pPr>
             <a:r>
-              <a:rPr lang="de-DE" sz="1100" dirty="0"/>
+              <a:rPr lang="de-DE" sz="1000" dirty="0"/>
               <a:t>The </a:t>
             </a:r>
             <a:r>
-              <a:rPr lang="de-DE" sz="1100" dirty="0" err="1"/>
+              <a:rPr lang="de-DE" sz="1000" dirty="0" err="1"/>
               <a:t>most</a:t>
             </a:r>
             <a:r>
-              <a:rPr lang="de-DE" sz="1100" dirty="0"/>
-              <a:t> </a:t>
-            </a:r>
-            <a:r>
-              <a:rPr lang="de-DE" sz="1100" dirty="0" err="1"/>
+              <a:rPr lang="de-DE" sz="1000" dirty="0"/>
+              <a:t> </a:t>
+            </a:r>
+            <a:r>
+              <a:rPr lang="de-DE" sz="1000" dirty="0" err="1"/>
               <a:t>people</a:t>
             </a:r>
             <a:r>
-              <a:rPr lang="de-DE" sz="1100" dirty="0"/>
+              <a:rPr lang="de-DE" sz="1000" dirty="0"/>
               <a:t> in </a:t>
             </a:r>
             <a:r>
-              <a:rPr lang="de-DE" sz="1100" dirty="0" err="1"/>
+              <a:rPr lang="de-DE" sz="1000" dirty="0" err="1"/>
               <a:t>this</a:t>
             </a:r>
             <a:r>
-              <a:rPr lang="de-DE" sz="1100" dirty="0"/>
-              <a:t> </a:t>
-            </a:r>
-            <a:r>
-              <a:rPr lang="de-DE" sz="1100" dirty="0" err="1"/>
+              <a:rPr lang="de-DE" sz="1000" dirty="0"/>
+              <a:t> </a:t>
+            </a:r>
+            <a:r>
+              <a:rPr lang="de-DE" sz="1000" dirty="0" err="1"/>
               <a:t>data</a:t>
             </a:r>
             <a:r>
-              <a:rPr lang="de-DE" sz="1100" dirty="0"/>
-              <a:t> </a:t>
-            </a:r>
-            <a:r>
-              <a:rPr lang="de-DE" sz="1100" dirty="0" err="1"/>
+              <a:rPr lang="de-DE" sz="1000" dirty="0"/>
+              <a:t> </a:t>
+            </a:r>
+            <a:r>
+              <a:rPr lang="de-DE" sz="1000" dirty="0" err="1"/>
               <a:t>set</a:t>
             </a:r>
             <a:r>
-              <a:rPr lang="de-DE" sz="1100" dirty="0"/>
-              <a:t> </a:t>
-            </a:r>
-            <a:r>
-              <a:rPr lang="de-DE" sz="1100" dirty="0" err="1"/>
+              <a:rPr lang="de-DE" sz="1000" dirty="0"/>
+              <a:t> </a:t>
+            </a:r>
+            <a:r>
+              <a:rPr lang="de-DE" sz="1000" dirty="0" err="1"/>
               <a:t>have</a:t>
             </a:r>
             <a:r>
-              <a:rPr lang="de-DE" sz="1100" dirty="0"/>
+              <a:rPr lang="de-DE" sz="1000" dirty="0"/>
               <a:t> a </a:t>
             </a:r>
             <a:r>
-              <a:rPr lang="de-DE" sz="1100" dirty="0" err="1"/>
+              <a:rPr lang="de-DE" sz="1000" dirty="0" err="1"/>
               <a:t>healthy</a:t>
             </a:r>
             <a:r>
-              <a:rPr lang="de-DE" sz="1100" dirty="0"/>
+              <a:rPr lang="de-DE" sz="1000" dirty="0"/>
               <a:t> BMI </a:t>
             </a:r>
             <a:r>
-              <a:rPr lang="de-DE" sz="1100" dirty="0" err="1"/>
+              <a:rPr lang="de-DE" sz="1000" dirty="0" err="1"/>
               <a:t>between</a:t>
             </a:r>
             <a:r>
-              <a:rPr lang="de-DE" sz="1100" dirty="0"/>
-              <a:t> 19 and 24. </a:t>
-            </a:r>
+              <a:rPr lang="de-DE" sz="1000" dirty="0"/>
+              <a:t> 19 and 24 (n=405). </a:t>
+            </a:r>
+          </a:p>
+          <a:p>
+            <a:pPr marL="0" indent="0" algn="just">
+              <a:buNone/>
+            </a:pPr>
+            <a:endParaRPr lang="de-DE" sz="1000" dirty="0"/>
           </a:p>
           <a:p>
             <a:pPr marL="171450" indent="-171450" algn="just">
               <a:buFont typeface="Arial" panose="020B0604020202020204" pitchFamily="34" charset="0"/>
               <a:buChar char="•"/>
             </a:pPr>
-            <a:endParaRPr lang="de-DE" sz="1100" dirty="0"/>
+            <a:r>
+              <a:rPr lang="de-DE" sz="1000" dirty="0"/>
+              <a:t>People </a:t>
+            </a:r>
+            <a:r>
+              <a:rPr lang="de-DE" sz="1000" dirty="0" err="1"/>
+              <a:t>with</a:t>
+            </a:r>
+            <a:r>
+              <a:rPr lang="de-DE" sz="1000" dirty="0"/>
+              <a:t> </a:t>
+            </a:r>
+            <a:r>
+              <a:rPr lang="de-DE" sz="1000" dirty="0" err="1"/>
+              <a:t>lower</a:t>
+            </a:r>
+            <a:r>
+              <a:rPr lang="de-DE" sz="1000" dirty="0"/>
+              <a:t> BMI (n=55) </a:t>
+            </a:r>
+            <a:r>
+              <a:rPr lang="de-DE" sz="1000" dirty="0" err="1"/>
+              <a:t>have</a:t>
+            </a:r>
+            <a:r>
+              <a:rPr lang="de-DE" sz="1000" dirty="0"/>
+              <a:t> </a:t>
+            </a:r>
+            <a:r>
+              <a:rPr lang="de-DE" sz="1000" dirty="0" err="1"/>
+              <a:t>the</a:t>
+            </a:r>
+            <a:r>
+              <a:rPr lang="de-DE" sz="1000" dirty="0"/>
+              <a:t> </a:t>
+            </a:r>
+            <a:r>
+              <a:rPr lang="de-DE" sz="1000" dirty="0" err="1"/>
+              <a:t>lowest</a:t>
+            </a:r>
+            <a:r>
+              <a:rPr lang="de-DE" sz="1000" dirty="0"/>
+              <a:t> </a:t>
+            </a:r>
+            <a:r>
+              <a:rPr lang="de-DE" sz="1000" dirty="0" err="1"/>
+              <a:t>number</a:t>
+            </a:r>
+            <a:r>
+              <a:rPr lang="de-DE" sz="1000" dirty="0"/>
+              <a:t> </a:t>
+            </a:r>
+            <a:r>
+              <a:rPr lang="de-DE" sz="1000" dirty="0" err="1"/>
+              <a:t>of</a:t>
+            </a:r>
+            <a:r>
+              <a:rPr lang="de-DE" sz="1000" dirty="0"/>
+              <a:t> </a:t>
+            </a:r>
+            <a:r>
+              <a:rPr lang="de-DE" sz="1000" dirty="0" err="1"/>
+              <a:t>diabetics</a:t>
+            </a:r>
+            <a:r>
+              <a:rPr lang="de-DE" sz="1000" dirty="0"/>
+              <a:t> (14%). The </a:t>
+            </a:r>
+            <a:r>
+              <a:rPr lang="de-DE" sz="1000" dirty="0" err="1"/>
+              <a:t>higher</a:t>
+            </a:r>
+            <a:r>
+              <a:rPr lang="de-DE" sz="1000" dirty="0"/>
+              <a:t> </a:t>
+            </a:r>
+            <a:r>
+              <a:rPr lang="de-DE" sz="1000" dirty="0" err="1"/>
+              <a:t>the</a:t>
+            </a:r>
+            <a:r>
+              <a:rPr lang="de-DE" sz="1000" dirty="0"/>
+              <a:t> BMI </a:t>
+            </a:r>
+            <a:r>
+              <a:rPr lang="de-DE" sz="1000" dirty="0" err="1"/>
+              <a:t>the</a:t>
+            </a:r>
+            <a:r>
+              <a:rPr lang="de-DE" sz="1000" dirty="0"/>
+              <a:t> </a:t>
+            </a:r>
+            <a:r>
+              <a:rPr lang="de-DE" sz="1000" dirty="0" err="1"/>
+              <a:t>higher</a:t>
+            </a:r>
+            <a:r>
+              <a:rPr lang="de-DE" sz="1000" dirty="0"/>
+              <a:t> </a:t>
+            </a:r>
+            <a:r>
+              <a:rPr lang="de-DE" sz="1000" dirty="0" err="1"/>
+              <a:t>are</a:t>
+            </a:r>
+            <a:r>
+              <a:rPr lang="de-DE" sz="1000" dirty="0"/>
+              <a:t> </a:t>
+            </a:r>
+            <a:r>
+              <a:rPr lang="de-DE" sz="1000" dirty="0" err="1"/>
+              <a:t>the</a:t>
+            </a:r>
+            <a:r>
+              <a:rPr lang="de-DE" sz="1000" dirty="0"/>
+              <a:t> </a:t>
+            </a:r>
+            <a:r>
+              <a:rPr lang="de-DE" sz="1000" dirty="0" err="1"/>
+              <a:t>numbers</a:t>
+            </a:r>
+            <a:r>
+              <a:rPr lang="de-DE" sz="1000" dirty="0"/>
+              <a:t> </a:t>
+            </a:r>
+            <a:r>
+              <a:rPr lang="de-DE" sz="1000" dirty="0" err="1"/>
+              <a:t>of</a:t>
+            </a:r>
+            <a:r>
+              <a:rPr lang="de-DE" sz="1000" dirty="0"/>
+              <a:t> </a:t>
+            </a:r>
+            <a:r>
+              <a:rPr lang="de-DE" sz="1000" dirty="0" err="1"/>
+              <a:t>diabetics</a:t>
+            </a:r>
+            <a:r>
+              <a:rPr lang="de-DE" sz="1000" dirty="0"/>
+              <a:t>: </a:t>
+            </a:r>
+            <a:endParaRPr lang="de-DE" sz="500" dirty="0"/>
           </a:p>
           <a:p>
-            <a:pPr marL="171450" indent="-171450" algn="just">
+            <a:pPr marL="628650" lvl="1" indent="-171450" algn="just">
+              <a:lnSpc>
+                <a:spcPct val="200000"/>
+              </a:lnSpc>
+              <a:spcBef>
+                <a:spcPts val="100"/>
+              </a:spcBef>
               <a:buFont typeface="Arial" panose="020B0604020202020204" pitchFamily="34" charset="0"/>
               <a:buChar char="•"/>
             </a:pPr>
             <a:r>
-              <a:rPr lang="de-DE" sz="1100" dirty="0"/>
-              <a:t>People </a:t>
-            </a:r>
-            <a:r>
-              <a:rPr lang="de-DE" sz="1100" dirty="0" err="1"/>
+              <a:rPr lang="de-DE" sz="1000" dirty="0"/>
+              <a:t>normal BMI: 25% </a:t>
+            </a:r>
+            <a:r>
+              <a:rPr lang="de-DE" sz="1000" dirty="0" err="1"/>
               <a:t>with</a:t>
             </a:r>
             <a:r>
-              <a:rPr lang="de-DE" sz="1100" dirty="0"/>
-              <a:t> </a:t>
-            </a:r>
-            <a:r>
-              <a:rPr lang="de-DE" sz="1100" dirty="0" err="1"/>
-              <a:t>lower</a:t>
-            </a:r>
-            <a:r>
-              <a:rPr lang="de-DE" sz="1100" dirty="0"/>
-              <a:t> BMI </a:t>
-            </a:r>
-            <a:r>
-              <a:rPr lang="de-DE" sz="1100" dirty="0" err="1"/>
-              <a:t>have</a:t>
-            </a:r>
-            <a:r>
-              <a:rPr lang="de-DE" sz="1100" dirty="0"/>
-              <a:t> </a:t>
-            </a:r>
-            <a:r>
-              <a:rPr lang="de-DE" sz="1100" dirty="0" err="1"/>
-              <a:t>the</a:t>
-            </a:r>
-            <a:r>
-              <a:rPr lang="de-DE" sz="1100" dirty="0"/>
-              <a:t> </a:t>
-            </a:r>
-            <a:r>
-              <a:rPr lang="de-DE" sz="1100" dirty="0" err="1"/>
-              <a:t>lowest</a:t>
-            </a:r>
-            <a:r>
-              <a:rPr lang="de-DE" sz="1100" dirty="0"/>
-              <a:t> </a:t>
-            </a:r>
-            <a:r>
-              <a:rPr lang="de-DE" sz="1100" dirty="0" err="1"/>
-              <a:t>number</a:t>
-            </a:r>
-            <a:r>
-              <a:rPr lang="de-DE" sz="1100" dirty="0"/>
-              <a:t> </a:t>
-            </a:r>
-            <a:r>
-              <a:rPr lang="de-DE" sz="1100" dirty="0" err="1"/>
-              <a:t>of</a:t>
-            </a:r>
-            <a:r>
-              <a:rPr lang="de-DE" sz="1100" dirty="0"/>
-              <a:t> </a:t>
-            </a:r>
-            <a:r>
-              <a:rPr lang="de-DE" sz="1100" dirty="0" err="1"/>
-              <a:t>diabetics</a:t>
-            </a:r>
-            <a:r>
-              <a:rPr lang="de-DE" sz="1100" dirty="0"/>
-              <a:t>. The </a:t>
-            </a:r>
-            <a:r>
-              <a:rPr lang="de-DE" sz="1100" dirty="0" err="1"/>
-              <a:t>higher</a:t>
-            </a:r>
-            <a:r>
-              <a:rPr lang="de-DE" sz="1100" dirty="0"/>
-              <a:t> </a:t>
-            </a:r>
-            <a:r>
-              <a:rPr lang="de-DE" sz="1100" dirty="0" err="1"/>
-              <a:t>the</a:t>
-            </a:r>
-            <a:r>
-              <a:rPr lang="de-DE" sz="1100" dirty="0"/>
-              <a:t> BMI </a:t>
-            </a:r>
-            <a:r>
-              <a:rPr lang="de-DE" sz="1100" dirty="0" err="1"/>
-              <a:t>the</a:t>
-            </a:r>
-            <a:r>
-              <a:rPr lang="de-DE" sz="1100" dirty="0"/>
-              <a:t> </a:t>
-            </a:r>
-            <a:r>
-              <a:rPr lang="de-DE" sz="1100" dirty="0" err="1"/>
-              <a:t>higher</a:t>
-            </a:r>
-            <a:r>
-              <a:rPr lang="de-DE" sz="1100" dirty="0"/>
-              <a:t> </a:t>
-            </a:r>
-            <a:r>
-              <a:rPr lang="de-DE" sz="1100" dirty="0" err="1"/>
-              <a:t>are</a:t>
-            </a:r>
-            <a:r>
-              <a:rPr lang="de-DE" sz="1100" dirty="0"/>
-              <a:t> </a:t>
-            </a:r>
-            <a:r>
-              <a:rPr lang="de-DE" sz="1100" dirty="0" err="1"/>
-              <a:t>the</a:t>
-            </a:r>
-            <a:r>
-              <a:rPr lang="de-DE" sz="1100" dirty="0"/>
-              <a:t> </a:t>
-            </a:r>
-            <a:r>
-              <a:rPr lang="de-DE" sz="1100" dirty="0" err="1"/>
-              <a:t>numbers</a:t>
-            </a:r>
-            <a:r>
-              <a:rPr lang="de-DE" sz="1100" dirty="0"/>
-              <a:t> </a:t>
-            </a:r>
-            <a:r>
-              <a:rPr lang="de-DE" sz="1100" dirty="0" err="1"/>
-              <a:t>of</a:t>
-            </a:r>
-            <a:r>
-              <a:rPr lang="de-DE" sz="1100" dirty="0"/>
-              <a:t> </a:t>
-            </a:r>
-            <a:r>
-              <a:rPr lang="de-DE" sz="1100" dirty="0" err="1"/>
-              <a:t>diabetics</a:t>
-            </a:r>
-            <a:r>
-              <a:rPr lang="de-DE" sz="1100" dirty="0"/>
-              <a:t>. </a:t>
+              <a:rPr lang="de-DE" sz="1000" dirty="0"/>
+              <a:t> n=405	</a:t>
+            </a:r>
+          </a:p>
+          <a:p>
+            <a:pPr marL="628650" lvl="1" indent="-171450" algn="just">
+              <a:lnSpc>
+                <a:spcPct val="200000"/>
+              </a:lnSpc>
+              <a:spcBef>
+                <a:spcPts val="100"/>
+              </a:spcBef>
+              <a:buFont typeface="Arial" panose="020B0604020202020204" pitchFamily="34" charset="0"/>
+              <a:buChar char="•"/>
+            </a:pPr>
+            <a:r>
+              <a:rPr lang="de-DE" sz="1000" dirty="0"/>
+              <a:t>high BMI: 34% </a:t>
+            </a:r>
+            <a:r>
+              <a:rPr lang="de-DE" sz="1000" dirty="0" err="1"/>
+              <a:t>with</a:t>
+            </a:r>
+            <a:r>
+              <a:rPr lang="de-DE" sz="1000" dirty="0"/>
+              <a:t> n=435</a:t>
             </a:r>
           </a:p>
         </p:txBody>
@@ -7909,7 +7957,7 @@
         </p:nvSpPr>
         <p:spPr>
           <a:xfrm>
-            <a:off x="5475370" y="3690602"/>
+            <a:off x="5436268" y="3530287"/>
             <a:ext cx="3423319" cy="1451268"/>
           </a:xfrm>
           <a:prstGeom prst="rect">
@@ -8177,49 +8225,56 @@
               <a:buChar char="•"/>
             </a:pPr>
             <a:r>
-              <a:rPr lang="en-GB" sz="1100" dirty="0"/>
+              <a:rPr lang="en-GB" sz="1000" dirty="0"/>
               <a:t>Most people eat occasionally </a:t>
             </a:r>
             <a:r>
-              <a:rPr lang="en-GB" sz="1100" dirty="0" err="1"/>
+              <a:rPr lang="en-GB" sz="1000" dirty="0" err="1"/>
               <a:t>junkfood</a:t>
             </a:r>
             <a:r>
-              <a:rPr lang="en-GB" sz="1100" dirty="0"/>
-              <a:t>, after that people eat in descending order often, very often and always </a:t>
-            </a:r>
-            <a:r>
-              <a:rPr lang="en-GB" sz="1100" dirty="0" err="1"/>
+              <a:rPr lang="en-GB" sz="1000" dirty="0"/>
+              <a:t> (n=625), after that people eat in descending order often (n=174), very often (n=52) and always (n=44) </a:t>
+            </a:r>
+            <a:r>
+              <a:rPr lang="en-GB" sz="1000" dirty="0" err="1"/>
               <a:t>junkfood</a:t>
             </a:r>
             <a:r>
-              <a:rPr lang="en-GB" sz="1100" dirty="0"/>
+              <a:rPr lang="en-GB" sz="1000" dirty="0"/>
               <a:t>.</a:t>
             </a:r>
+          </a:p>
+          <a:p>
+            <a:pPr marL="0" indent="0" algn="just">
+              <a:buNone/>
+            </a:pPr>
+            <a:endParaRPr lang="en-GB" sz="1000" dirty="0"/>
           </a:p>
           <a:p>
             <a:pPr marL="171450" indent="-171450" algn="just">
               <a:buFont typeface="Arial" panose="020B0604020202020204" pitchFamily="34" charset="0"/>
               <a:buChar char="•"/>
             </a:pPr>
-            <a:endParaRPr lang="en-GB" sz="1100" dirty="0"/>
-          </a:p>
-          <a:p>
-            <a:pPr marL="171450" indent="-171450" algn="just">
-              <a:buFont typeface="Arial" panose="020B0604020202020204" pitchFamily="34" charset="0"/>
-              <a:buChar char="•"/>
-            </a:pPr>
-            <a:r>
-              <a:rPr lang="en-GB" sz="1100" dirty="0"/>
+            <a:r>
+              <a:rPr lang="en-GB" sz="1000" dirty="0"/>
               <a:t>People eating occasionally </a:t>
             </a:r>
             <a:r>
-              <a:rPr lang="en-GB" sz="1100" dirty="0" err="1"/>
+              <a:rPr lang="en-GB" sz="1000" dirty="0" err="1"/>
               <a:t>junkfood</a:t>
             </a:r>
             <a:r>
-              <a:rPr lang="en-GB" sz="1100" dirty="0"/>
-              <a:t> have </a:t>
+              <a:rPr lang="en-GB" sz="1000" dirty="0"/>
+              <a:t> have the highest amount of diabetics. Followed by people eating very often (29%), often (24%) and always (18%) </a:t>
+            </a:r>
+            <a:r>
+              <a:rPr lang="en-GB" sz="1000" dirty="0" err="1"/>
+              <a:t>junkfood</a:t>
+            </a:r>
+            <a:r>
+              <a:rPr lang="en-GB" sz="1000" dirty="0"/>
+              <a:t>.</a:t>
             </a:r>
           </a:p>
         </p:txBody>
@@ -9055,19 +9110,21 @@
         </p:nvSpPr>
         <p:spPr>
           <a:xfrm>
-            <a:off x="5671819" y="3305034"/>
+            <a:off x="5722538" y="1214923"/>
             <a:ext cx="2850778" cy="385568"/>
           </a:xfrm>
           <a:prstGeom prst="rect">
             <a:avLst/>
           </a:prstGeom>
           <a:noFill/>
-          <a:ln>
-            <a:noFill/>
+          <a:ln w="3175">
+            <a:solidFill>
+              <a:schemeClr val="tx1"/>
+            </a:solidFill>
           </a:ln>
         </p:spPr>
         <p:txBody>
-          <a:bodyPr spcFirstLastPara="1" wrap="square" lIns="91425" tIns="91425" rIns="91425" bIns="91425" anchor="t" anchorCtr="0">
+          <a:bodyPr spcFirstLastPara="1" wrap="square" lIns="91425" tIns="91425" rIns="91425" bIns="91425" anchor="ctr" anchorCtr="0">
             <a:noAutofit/>
           </a:bodyPr>
           <a:lstStyle>
@@ -9787,7 +9844,15 @@
             </a:r>
             <a:r>
               <a:rPr lang="de-DE" sz="1600" dirty="0"/>
-              <a:t> (R2 = -0.29) and </a:t>
+              <a:t> (R</a:t>
+            </a:r>
+            <a:r>
+              <a:rPr lang="de-DE" sz="1600" baseline="30000" dirty="0"/>
+              <a:t>2</a:t>
+            </a:r>
+            <a:r>
+              <a:rPr lang="de-DE" sz="1600" dirty="0"/>
+              <a:t> = -0.29) and </a:t>
             </a:r>
             <a:r>
               <a:rPr lang="de-DE" sz="1600" dirty="0" err="1"/>
@@ -9803,7 +9868,15 @@
             </a:r>
             <a:r>
               <a:rPr lang="de-DE" sz="1600" dirty="0"/>
-              <a:t> (R2 = -0.32) . Smoking and </a:t>
+              <a:t> (R</a:t>
+            </a:r>
+            <a:r>
+              <a:rPr lang="de-DE" sz="1600" baseline="30000" dirty="0"/>
+              <a:t>2</a:t>
+            </a:r>
+            <a:r>
+              <a:rPr lang="de-DE" sz="1600" dirty="0"/>
+              <a:t> = -0.32) . Smoking and </a:t>
             </a:r>
             <a:r>
               <a:rPr lang="de-DE" sz="1600" dirty="0" err="1"/>
@@ -9843,7 +9916,15 @@
             </a:r>
             <a:r>
               <a:rPr lang="de-DE" sz="1600" dirty="0"/>
-              <a:t> (R2 = 0.52).</a:t>
+              <a:t> (R</a:t>
+            </a:r>
+            <a:r>
+              <a:rPr lang="de-DE" sz="1600" baseline="30000" dirty="0"/>
+              <a:t>2</a:t>
+            </a:r>
+            <a:r>
+              <a:rPr lang="de-DE" sz="1600" dirty="0"/>
+              <a:t> = 0.52).</a:t>
             </a:r>
           </a:p>
           <a:p>
@@ -9899,7 +9980,15 @@
             </a:r>
             <a:r>
               <a:rPr lang="de-DE" sz="1600" dirty="0"/>
-              <a:t> (R2 = -0.29) . </a:t>
+              <a:t> (R</a:t>
+            </a:r>
+            <a:r>
+              <a:rPr lang="de-DE" sz="1600" baseline="30000" dirty="0"/>
+              <a:t>2</a:t>
+            </a:r>
+            <a:r>
+              <a:rPr lang="de-DE" sz="1600" dirty="0"/>
+              <a:t> = -0.29) . </a:t>
             </a:r>
             <a:r>
               <a:rPr lang="de-DE" sz="1600" dirty="0" err="1"/>
@@ -10107,7 +10196,15 @@
             </a:r>
             <a:r>
               <a:rPr lang="de-DE" sz="1600" dirty="0"/>
-              <a:t> R2 = 0.52). </a:t>
+              <a:t> R</a:t>
+            </a:r>
+            <a:r>
+              <a:rPr lang="de-DE" sz="1600" baseline="30000" dirty="0"/>
+              <a:t>2</a:t>
+            </a:r>
+            <a:r>
+              <a:rPr lang="de-DE" sz="1600" dirty="0"/>
+              <a:t> = 0.52). </a:t>
             </a:r>
           </a:p>
           <a:p>
@@ -10199,7 +10296,15 @@
             </a:r>
             <a:r>
               <a:rPr lang="de-DE" sz="1600" dirty="0"/>
-              <a:t> R2 = 0.5. After </a:t>
+              <a:t> R</a:t>
+            </a:r>
+            <a:r>
+              <a:rPr lang="de-DE" sz="1600" baseline="30000" dirty="0"/>
+              <a:t>2</a:t>
+            </a:r>
+            <a:r>
+              <a:rPr lang="de-DE" sz="1600" dirty="0"/>
+              <a:t> = 0.5. After </a:t>
             </a:r>
             <a:r>
               <a:rPr lang="de-DE" sz="1600" dirty="0" err="1"/>
@@ -10328,15 +10433,14 @@
             <a:endParaRPr lang="de-DE" dirty="0"/>
           </a:p>
           <a:p>
-            <a:pPr marL="285750" lvl="0" indent="-285750" algn="l" rtl="0">
-              <a:spcBef>
-                <a:spcPts val="0"/>
-              </a:spcBef>
-              <a:spcAft>
-                <a:spcPts val="0"/>
-              </a:spcAft>
-              <a:buFont typeface="Arial" panose="020B0604020202020204" pitchFamily="34" charset="0"/>
-              <a:buChar char="•"/>
+            <a:pPr marL="0" lvl="0" indent="0" algn="l" rtl="0">
+              <a:spcBef>
+                <a:spcPts val="0"/>
+              </a:spcBef>
+              <a:spcAft>
+                <a:spcPts val="0"/>
+              </a:spcAft>
+              <a:buNone/>
             </a:pPr>
             <a:endParaRPr lang="de-DE" dirty="0"/>
           </a:p>
@@ -11247,6 +11351,86 @@
               <a:rPr lang="de-DE" dirty="0"/>
               <a:t>. </a:t>
             </a:r>
+            <a:r>
+              <a:rPr lang="de-DE" dirty="0" err="1"/>
+              <a:t>Some</a:t>
+            </a:r>
+            <a:r>
+              <a:rPr lang="de-DE" dirty="0"/>
+              <a:t> </a:t>
+            </a:r>
+            <a:r>
+              <a:rPr lang="de-DE" dirty="0" err="1"/>
+              <a:t>numbers</a:t>
+            </a:r>
+            <a:r>
+              <a:rPr lang="de-DE" dirty="0"/>
+              <a:t> </a:t>
+            </a:r>
+            <a:r>
+              <a:rPr lang="de-DE" dirty="0" err="1"/>
+              <a:t>would</a:t>
+            </a:r>
+            <a:r>
+              <a:rPr lang="de-DE" dirty="0"/>
+              <a:t> </a:t>
+            </a:r>
+            <a:r>
+              <a:rPr lang="de-DE" dirty="0" err="1"/>
+              <a:t>need</a:t>
+            </a:r>
+            <a:r>
+              <a:rPr lang="de-DE" dirty="0"/>
+              <a:t> </a:t>
+            </a:r>
+            <a:r>
+              <a:rPr lang="de-DE" dirty="0" err="1"/>
+              <a:t>further</a:t>
+            </a:r>
+            <a:r>
+              <a:rPr lang="de-DE" dirty="0"/>
+              <a:t> </a:t>
+            </a:r>
+            <a:r>
+              <a:rPr lang="de-DE" dirty="0" err="1"/>
+              <a:t>exploration</a:t>
+            </a:r>
+            <a:r>
+              <a:rPr lang="de-DE" dirty="0"/>
+              <a:t> (</a:t>
+            </a:r>
+            <a:r>
+              <a:rPr lang="de-DE" dirty="0" err="1"/>
+              <a:t>see</a:t>
+            </a:r>
+            <a:r>
+              <a:rPr lang="de-DE" dirty="0"/>
+              <a:t> </a:t>
+            </a:r>
+            <a:r>
+              <a:rPr lang="de-DE" dirty="0" err="1"/>
+              <a:t>men</a:t>
+            </a:r>
+            <a:r>
+              <a:rPr lang="de-DE" dirty="0"/>
+              <a:t> </a:t>
+            </a:r>
+            <a:r>
+              <a:rPr lang="de-DE" dirty="0" err="1"/>
+              <a:t>having</a:t>
+            </a:r>
+            <a:r>
+              <a:rPr lang="de-DE" dirty="0"/>
+              <a:t> multiple </a:t>
+            </a:r>
+            <a:r>
+              <a:rPr lang="de-DE" dirty="0" err="1"/>
+              <a:t>pregnancies</a:t>
+            </a:r>
+            <a:r>
+              <a:rPr lang="de-DE" dirty="0"/>
+              <a:t>). </a:t>
+            </a:r>
             <a:br>
               <a:rPr lang="de-DE" dirty="0"/>
             </a:br>
@@ -11336,7 +11520,7 @@
             </a:r>
             <a:r>
               <a:rPr lang="de-DE" dirty="0"/>
-              <a:t> </a:t>
+              <a:t> a </a:t>
             </a:r>
             <a:r>
               <a:rPr lang="de-DE" dirty="0" err="1"/>
@@ -11348,7 +11532,7 @@
             </a:r>
             <a:r>
               <a:rPr lang="de-DE" dirty="0" err="1"/>
-              <a:t>trees</a:t>
+              <a:t>tree</a:t>
             </a:r>
             <a:r>
               <a:rPr lang="de-DE" dirty="0"/>
@@ -11480,18 +11664,6 @@
               </a:rPr>
               <a:t>https://www.kaggle.com/tigganeha4/diabetes-dataset-2019</a:t>
             </a:r>
-            <a:endParaRPr lang="en" dirty="0"/>
-          </a:p>
-          <a:p>
-            <a:pPr marL="0" lvl="0" indent="0" algn="l" rtl="0">
-              <a:spcBef>
-                <a:spcPts val="0"/>
-              </a:spcBef>
-              <a:spcAft>
-                <a:spcPts val="1600"/>
-              </a:spcAft>
-              <a:buNone/>
-            </a:pPr>
             <a:endParaRPr lang="en" dirty="0"/>
           </a:p>
           <a:p>
@@ -11894,10 +12066,7 @@
           </a:bodyPr>
           <a:lstStyle/>
           <a:p>
-            <a:pPr marL="0" lvl="0" indent="0" algn="l" rtl="0">
-              <a:spcBef>
-                <a:spcPts val="0"/>
-              </a:spcBef>
+            <a:pPr marL="0" lvl="0" indent="0">
               <a:spcAft>
                 <a:spcPts val="1600"/>
               </a:spcAft>
@@ -11905,7 +12074,7 @@
             </a:pPr>
             <a:r>
               <a:rPr lang="en" dirty="0"/>
-              <a:t>As diabetes affects worldwide more and more people worldwide, with China having currently the highest number of diabetics, this presentation deals with different factors, that may increase ones risk of having or getting diabetes. Diabetes can lead to serious health complications, such as strokes, cardiovascular disease and is under the top then leading causes of death worldwide.</a:t>
+              <a:t>As diabetes affects more and more people worldwide , with China having currently the highest number of diabetics, this presentation deals with the different factors, that may increase ones risk of having or getting diabetes. Diabetes can lead to serious health complications, such as strokes, cardiovascular disease and is under the top ten leading causes of death worldwide.</a:t>
             </a:r>
           </a:p>
           <a:p>
@@ -11920,7 +12089,7 @@
             </a:pPr>
             <a:r>
               <a:rPr lang="en" dirty="0"/>
-              <a:t>This issue might be helpful for everyone, struggeling with this illness or trying to avoiding this problem.</a:t>
+              <a:t>This issue might be helpful for everyone, struggeling with this illness or trying to avoid this problem.</a:t>
             </a:r>
           </a:p>
         </p:txBody>
@@ -12192,7 +12361,7 @@
             </a:pPr>
             <a:r>
               <a:rPr lang="en" sz="1600" dirty="0"/>
-              <a:t>In column “Age” values varied between “yes”, “no” and “ no”. To get a binary result “ no” was changed to “no”. Similar to that were in column “BPLevel” (Blood Pressure Level” values “High”, “high”, “normal”,  “normal “, “Low” and “low”. These values were grouped to either “high”, “normal” or “low”. </a:t>
+              <a:t>In column “Age” values varied between “yes”, “no” and “ no”. To get a binary result “ no” was changed to “no”. Similar to that, in column “BPLevel” (Blood Pressure Level) were values “High”, “high”, “normal”,  “normal “, “Low” and “low”. These values were grouped to either “high”, “normal” or “low”. </a:t>
             </a:r>
           </a:p>
           <a:p>
@@ -12203,7 +12372,7 @@
             </a:pPr>
             <a:r>
               <a:rPr lang="en" sz="1600" dirty="0"/>
-              <a:t> In “Regular Medicine”  there were “yes”, “no” and “o”. As “o” could not be interpreted, they were dropped. Same in “Pregnancies” as “high”, “normal” and “low” could not be interpreted as numbers and were deleted. </a:t>
+              <a:t>In column “Regular Medicine”  there were “yes”, “no” and “o”. As “o” could not be interpreted, these rows were dropped. Same in “Pregnancies” as “high”, “normal” and “low” could not be interpreted as numbers and were deleted. </a:t>
             </a:r>
           </a:p>
           <a:p>
@@ -12716,7 +12885,7 @@
         </p:nvSpPr>
         <p:spPr>
           <a:xfrm>
-            <a:off x="449706" y="3104974"/>
+            <a:off x="380703" y="3102437"/>
             <a:ext cx="1834941" cy="2148703"/>
           </a:xfrm>
           <a:prstGeom prst="rect">
@@ -12763,7 +12932,7 @@
             </a:r>
             <a:r>
               <a:rPr lang="de-DE" sz="1100" dirty="0"/>
-              <a:t> in </a:t>
+              <a:t> (n=554) in </a:t>
             </a:r>
             <a:r>
               <a:rPr lang="de-DE" sz="1100" dirty="0" err="1"/>
@@ -12795,7 +12964,7 @@
             </a:r>
             <a:r>
               <a:rPr lang="de-DE" sz="1100" dirty="0"/>
-              <a:t>.</a:t>
+              <a:t> (n=341).</a:t>
             </a:r>
           </a:p>
           <a:p>
@@ -12928,8 +13097,8 @@
         </p:blipFill>
         <p:spPr>
           <a:xfrm>
-            <a:off x="2521322" y="1066554"/>
-            <a:ext cx="2434690" cy="1714220"/>
+            <a:off x="2361083" y="1060920"/>
+            <a:ext cx="2621681" cy="1845877"/>
           </a:xfrm>
           <a:prstGeom prst="rect">
             <a:avLst/>
@@ -12958,8 +13127,8 @@
         </p:blipFill>
         <p:spPr>
           <a:xfrm>
-            <a:off x="5192687" y="1066554"/>
-            <a:ext cx="3639613" cy="1714221"/>
+            <a:off x="5059199" y="1017725"/>
+            <a:ext cx="3922397" cy="1847409"/>
           </a:xfrm>
           <a:prstGeom prst="rect">
             <a:avLst/>
@@ -12988,8 +13157,8 @@
         </p:blipFill>
         <p:spPr>
           <a:xfrm>
-            <a:off x="449708" y="1051064"/>
-            <a:ext cx="1834941" cy="1716758"/>
+            <a:off x="311700" y="1051063"/>
+            <a:ext cx="1972949" cy="1845877"/>
           </a:xfrm>
           <a:prstGeom prst="rect">
             <a:avLst/>
@@ -13012,7 +13181,7 @@
         </p:nvSpPr>
         <p:spPr>
           <a:xfrm>
-            <a:off x="2581287" y="3105624"/>
+            <a:off x="2630214" y="3085754"/>
             <a:ext cx="2612140" cy="1865080"/>
           </a:xfrm>
           <a:prstGeom prst="rect">
@@ -13337,7 +13506,7 @@
             </a:r>
             <a:r>
               <a:rPr lang="de-DE" sz="1100" dirty="0"/>
-              <a:t> 40. The </a:t>
+              <a:t> 40 (n=455). The </a:t>
             </a:r>
             <a:r>
               <a:rPr lang="de-DE" sz="1100" dirty="0" err="1"/>
@@ -13393,7 +13562,23 @@
             </a:r>
             <a:r>
               <a:rPr lang="de-DE" sz="1100" dirty="0"/>
-              <a:t>.</a:t>
+              <a:t> (n=[151,148,141], in </a:t>
+            </a:r>
+            <a:r>
+              <a:rPr lang="de-DE" sz="1100" dirty="0" err="1"/>
+              <a:t>correct</a:t>
+            </a:r>
+            <a:r>
+              <a:rPr lang="de-DE" sz="1100" dirty="0"/>
+              <a:t> </a:t>
+            </a:r>
+            <a:r>
+              <a:rPr lang="de-DE" sz="1100" dirty="0" err="1"/>
+              <a:t>order</a:t>
+            </a:r>
+            <a:r>
+              <a:rPr lang="de-DE" sz="1100" dirty="0"/>
+              <a:t>).</a:t>
             </a:r>
           </a:p>
           <a:p>

--- a/Diabetes_Presentation.pptx
+++ b/Diabetes_Presentation.pptx
@@ -7671,15 +7671,7 @@
             </a:pPr>
             <a:r>
               <a:rPr lang="de-DE" sz="1000" dirty="0"/>
-              <a:t>The </a:t>
-            </a:r>
-            <a:r>
-              <a:rPr lang="de-DE" sz="1000" dirty="0" err="1"/>
-              <a:t>most</a:t>
-            </a:r>
-            <a:r>
-              <a:rPr lang="de-DE" sz="1000" dirty="0"/>
-              <a:t> </a:t>
+              <a:t>Most </a:t>
             </a:r>
             <a:r>
               <a:rPr lang="de-DE" sz="1000" dirty="0" err="1"/>
@@ -8226,23 +8218,7 @@
             </a:pPr>
             <a:r>
               <a:rPr lang="en-GB" sz="1000" dirty="0"/>
-              <a:t>Most people eat occasionally </a:t>
-            </a:r>
-            <a:r>
-              <a:rPr lang="en-GB" sz="1000" dirty="0" err="1"/>
-              <a:t>junkfood</a:t>
-            </a:r>
-            <a:r>
-              <a:rPr lang="en-GB" sz="1000" dirty="0"/>
-              <a:t> (n=625), after that people eat in descending order often (n=174), very often (n=52) and always (n=44) </a:t>
-            </a:r>
-            <a:r>
-              <a:rPr lang="en-GB" sz="1000" dirty="0" err="1"/>
-              <a:t>junkfood</a:t>
-            </a:r>
-            <a:r>
-              <a:rPr lang="en-GB" sz="1000" dirty="0"/>
-              <a:t>.</a:t>
+              <a:t>Most people eat occasionally junk food (n=625), after that people eat in descending order often (n=174), very often (n=52), and always (n=44) junk food.</a:t>
             </a:r>
           </a:p>
           <a:p>
@@ -8258,23 +8234,7 @@
             </a:pPr>
             <a:r>
               <a:rPr lang="en-GB" sz="1000" dirty="0"/>
-              <a:t>People eating occasionally </a:t>
-            </a:r>
-            <a:r>
-              <a:rPr lang="en-GB" sz="1000" dirty="0" err="1"/>
-              <a:t>junkfood</a:t>
-            </a:r>
-            <a:r>
-              <a:rPr lang="en-GB" sz="1000" dirty="0"/>
-              <a:t> have the highest amount of diabetics. Followed by people eating very often (29%), often (24%) and always (18%) </a:t>
-            </a:r>
-            <a:r>
-              <a:rPr lang="en-GB" sz="1000" dirty="0" err="1"/>
-              <a:t>junkfood</a:t>
-            </a:r>
-            <a:r>
-              <a:rPr lang="en-GB" sz="1000" dirty="0"/>
-              <a:t>.</a:t>
+              <a:t>People eating occasionally junk food have the highest amount of diabetics. Followed by people eating very often (29%), often (24%), and always (18%) junk food.</a:t>
             </a:r>
           </a:p>
         </p:txBody>
@@ -9756,7 +9716,7 @@
             </a:r>
             <a:r>
               <a:rPr lang="de-DE" sz="1600" dirty="0"/>
-              <a:t> negativ </a:t>
+              <a:t> negative </a:t>
             </a:r>
             <a:r>
               <a:rPr lang="de-DE" sz="1600" dirty="0" err="1"/>
@@ -9816,14 +9776,6 @@
             </a:r>
             <a:r>
               <a:rPr lang="de-DE" sz="1600" dirty="0" err="1"/>
-              <a:t>more</a:t>
-            </a:r>
-            <a:r>
-              <a:rPr lang="de-DE" sz="1600" dirty="0"/>
-              <a:t> </a:t>
-            </a:r>
-            <a:r>
-              <a:rPr lang="de-DE" sz="1600" dirty="0" err="1"/>
               <a:t>men</a:t>
             </a:r>
             <a:r>
@@ -9876,7 +9828,7 @@
             </a:r>
             <a:r>
               <a:rPr lang="de-DE" sz="1600" dirty="0"/>
-              <a:t> = -0.32) . Smoking and </a:t>
+              <a:t> = -0.32). Smoking and </a:t>
             </a:r>
             <a:r>
               <a:rPr lang="de-DE" sz="1600" dirty="0" err="1"/>
@@ -9948,7 +9900,7 @@
             </a:r>
             <a:r>
               <a:rPr lang="de-DE" sz="1600" dirty="0"/>
-              <a:t> negativ </a:t>
+              <a:t> negative </a:t>
             </a:r>
             <a:r>
               <a:rPr lang="de-DE" sz="1600" dirty="0" err="1"/>
@@ -9988,7 +9940,7 @@
             </a:r>
             <a:r>
               <a:rPr lang="de-DE" sz="1600" dirty="0"/>
-              <a:t> = -0.29) . </a:t>
+              <a:t> = -0.29). </a:t>
             </a:r>
             <a:r>
               <a:rPr lang="de-DE" sz="1600" dirty="0" err="1"/>
@@ -10040,7 +9992,15 @@
             </a:r>
             <a:r>
               <a:rPr lang="de-DE" sz="1600" dirty="0" err="1"/>
-              <a:t>junkfood</a:t>
+              <a:t>junk</a:t>
+            </a:r>
+            <a:r>
+              <a:rPr lang="de-DE" sz="1600" dirty="0"/>
+              <a:t> </a:t>
+            </a:r>
+            <a:r>
+              <a:rPr lang="de-DE" sz="1600" dirty="0" err="1"/>
+              <a:t>food</a:t>
             </a:r>
             <a:r>
               <a:rPr lang="de-DE" sz="1600" dirty="0"/>
@@ -10140,7 +10100,15 @@
             </a:r>
             <a:r>
               <a:rPr lang="de-DE" sz="1600" dirty="0"/>
-              <a:t> positive </a:t>
+              <a:t> </a:t>
+            </a:r>
+            <a:r>
+              <a:rPr lang="de-DE" sz="1600" dirty="0" err="1"/>
+              <a:t>positively</a:t>
+            </a:r>
+            <a:r>
+              <a:rPr lang="de-DE" sz="1600" dirty="0"/>
+              <a:t> </a:t>
             </a:r>
             <a:r>
               <a:rPr lang="de-DE" sz="1600" dirty="0" err="1"/>
@@ -10276,7 +10244,7 @@
             </a:r>
             <a:r>
               <a:rPr lang="de-DE" sz="1600" dirty="0" err="1"/>
-              <a:t>weak</a:t>
+              <a:t>weakly</a:t>
             </a:r>
             <a:r>
               <a:rPr lang="de-DE" sz="1600" dirty="0"/>
@@ -10600,7 +10568,7 @@
             </a:r>
             <a:r>
               <a:rPr lang="de-DE" dirty="0"/>
-              <a:t> a </a:t>
+              <a:t>, a </a:t>
             </a:r>
             <a:r>
               <a:rPr lang="de-DE" dirty="0" err="1"/>
@@ -10668,7 +10636,7 @@
             </a:r>
             <a:r>
               <a:rPr lang="de-DE" dirty="0" err="1"/>
-              <a:t>diabets</a:t>
+              <a:t>diabetes</a:t>
             </a:r>
             <a:r>
               <a:rPr lang="de-DE" dirty="0"/>
@@ -10767,7 +10735,7 @@
             </a:r>
             <a:r>
               <a:rPr lang="de-DE" dirty="0"/>
-              <a:t> and </a:t>
+              <a:t>, and </a:t>
             </a:r>
             <a:r>
               <a:rPr lang="de-DE" dirty="0" err="1"/>
@@ -10830,7 +10798,7 @@
             </a:r>
             <a:r>
               <a:rPr lang="de-DE" dirty="0"/>
-              <a:t> </a:t>
+              <a:t>, </a:t>
             </a:r>
             <a:r>
               <a:rPr lang="de-DE" dirty="0" err="1"/>
@@ -11164,7 +11132,7 @@
             </a:pPr>
             <a:r>
               <a:rPr lang="en" dirty="0"/>
-              <a:t>The age groups were quite big for people under 40 and over 60. </a:t>
+              <a:t>The age groups were quite big for people under 40 and over 60 in comparison to people between 40-49 and 50-59. </a:t>
             </a:r>
           </a:p>
           <a:p>
@@ -11935,7 +11903,7 @@
             </a:pPr>
             <a:r>
               <a:rPr lang="en" dirty="0"/>
-              <a:t>For this analysis the Diabetes dataset 2019 </a:t>
+              <a:t>For this analysis, the Diabetes dataset 2019 </a:t>
             </a:r>
             <a:r>
               <a:rPr lang="en-GB" dirty="0"/>
@@ -11954,7 +11922,7 @@
             </a:pPr>
             <a:r>
               <a:rPr lang="en-GB" dirty="0"/>
-              <a:t>The main part of this project is to predict if a person has diabetes or not, as well as how a habits and genetics (like gender, regular intake of medicine, habit of smoking…) correlate. </a:t>
+              <a:t>The main part of this project is to predict if a person has diabetes or not, as well as how habits and genetics (like gender, regular intake of medicine, smoking…) correlate. </a:t>
             </a:r>
           </a:p>
           <a:p>
@@ -11969,7 +11937,7 @@
             </a:pPr>
             <a:r>
               <a:rPr lang="en-GB" dirty="0"/>
-              <a:t>After the data was cleaned (more about data cleaning on slide 5), the method heatmap from seaborn was used to visualise the correlations and for the diabetes prediction decision trees were used.</a:t>
+              <a:t>After the data was cleaned and prepared the method heatmap from seaborn was used to visualise the correlations between observations and for the diabetes prediction the machine learning method decision tree was used.</a:t>
             </a:r>
           </a:p>
         </p:txBody>
@@ -12074,7 +12042,7 @@
             </a:pPr>
             <a:r>
               <a:rPr lang="en" dirty="0"/>
-              <a:t>As diabetes affects more and more people worldwide , with China having currently the highest number of diabetics, this presentation deals with the different factors, that may increase ones risk of having or getting diabetes. Diabetes can lead to serious health complications, such as strokes, cardiovascular disease and is under the top ten leading causes of death worldwide.</a:t>
+              <a:t>As diabetes affects more and more people worldwide, with China having currently the highest number of diabetics, this presentation deals with the different factors, that may increase one’s risk of having or getting diabetes. Diabetes can lead to serious health complications, such as strokes, cardiovascular disease, and is under the top ten leading causes of death worldwide.</a:t>
             </a:r>
           </a:p>
           <a:p>
@@ -12089,7 +12057,7 @@
             </a:pPr>
             <a:r>
               <a:rPr lang="en" dirty="0"/>
-              <a:t>This issue might be helpful for everyone, struggeling with this illness or trying to avoid this problem.</a:t>
+              <a:t>This issue might be helpful for everyone, struggling with this illness or trying to avoid this problem.</a:t>
             </a:r>
           </a:p>
         </p:txBody>
@@ -12222,7 +12190,7 @@
             </a:pPr>
             <a:r>
               <a:rPr lang="en" dirty="0"/>
-              <a:t>The dataset consists of 952 samples and 18 variables. The observations are binary (diabetic, gender, smoking, …), numeric (pregnancies, sleep, BMI, …) and grouped (age: less than 40, 50-59,… or time of physical activity). </a:t>
+              <a:t>The dataset consists of 952 samples and 18 variables. The observations are binary (diabetic, gender, smoking, …), numeric (pregnancies, sleep, BMI, …), and grouped (age: less than 40, 50-59,… or time of physical activity). </a:t>
             </a:r>
           </a:p>
           <a:p>
@@ -12497,7 +12465,7 @@
             </a:pPr>
             <a:r>
               <a:rPr lang="en" sz="1600" dirty="0"/>
-              <a:t>Whole columns where deleted as they were almost everywhere 0, or could not be explained. </a:t>
+              <a:t>Whole columns were deleted as they were almost everywhere 0, or could not be explained. </a:t>
             </a:r>
           </a:p>
           <a:p>
@@ -12508,7 +12476,7 @@
             </a:pPr>
             <a:r>
               <a:rPr lang="en" sz="1600" dirty="0"/>
-              <a:t>As all values where of datatype object, it was not possible to perform correlations or decision trees. So dummy variables where introduced. </a:t>
+              <a:t>As all values were of the datatype object, it was not possible to perform correlations or decision trees. So dummy variables were introduced. </a:t>
             </a:r>
           </a:p>
           <a:p>
@@ -12519,7 +12487,7 @@
             </a:pPr>
             <a:r>
               <a:rPr lang="en" sz="1600" dirty="0"/>
-              <a:t>The remaing data were split into training and testing set (67% of the data for training with n = 599, the remaining 33% for testing with n = 296)</a:t>
+              <a:t>The remaining data were split into training and testing set (67% of the data for training with n = 599, the remaining 33% for testing with n = 296)</a:t>
             </a:r>
           </a:p>
           <a:p>
@@ -12660,7 +12628,7 @@
             </a:pPr>
             <a:r>
               <a:rPr lang="en" dirty="0"/>
-              <a:t>How do different factors influence the risk for having diabetes? What are the interactions between them? </a:t>
+              <a:t>How do different factors influence the risk of having diabetes? What are the interactions between them? </a:t>
             </a:r>
           </a:p>
           <a:p>
@@ -12785,7 +12753,7 @@
             </a:pPr>
             <a:r>
               <a:rPr lang="en" dirty="0"/>
-              <a:t>At first the dataset was inspected to find out, for example how diabetes is distributed between different features. Here the correlation between each factor was visualised with a correlation heatmap from seaborn. </a:t>
+              <a:t>Firstly the dataset was inspected to find out, for example how diabetes is distributed between different features. Here the correlation between each factor was visualised with a correlation heatmap from seaborn. </a:t>
             </a:r>
           </a:p>
           <a:p>
@@ -12801,7 +12769,7 @@
             </a:pPr>
             <a:r>
               <a:rPr lang="en" dirty="0"/>
-              <a:t>To predict the chances for diabetes the data was split randomly in 67% training and 33% test set. After that the machine learning process decision tree was fitted to the training set and checked with the test set. </a:t>
+              <a:t>To predict the chances for diabetes the data was split randomly into 67% training and 33% test set. After that, the machine learning process decision tree was fitted to the training set and checked with the test set. </a:t>
             </a:r>
           </a:p>
         </p:txBody>
@@ -13619,7 +13587,7 @@
             </a:r>
             <a:r>
               <a:rPr lang="de-DE" sz="1100" dirty="0"/>
-              <a:t> </a:t>
+              <a:t>, </a:t>
             </a:r>
             <a:r>
               <a:rPr lang="de-DE" sz="1100" dirty="0" err="1"/>
@@ -14299,7 +14267,7 @@
         </p:nvSpPr>
         <p:spPr>
           <a:xfrm>
-            <a:off x="2630214" y="2785980"/>
+            <a:off x="2067175" y="2897650"/>
             <a:ext cx="3738218" cy="242415"/>
           </a:xfrm>
           <a:prstGeom prst="rect">
@@ -14307,9 +14275,7 @@
           </a:prstGeom>
           <a:noFill/>
           <a:ln w="3175">
-            <a:solidFill>
-              <a:schemeClr val="tx1"/>
-            </a:solidFill>
+            <a:noFill/>
             <a:prstDash val="sysDot"/>
           </a:ln>
         </p:spPr>
